--- a/tutorial/cc4sr-part2.pptx
+++ b/tutorial/cc4sr-part2.pptx
@@ -6,21 +6,22 @@
   </p:sldMasterIdLst>
   <p:sldIdLst>
     <p:sldId id="256" r:id="rId2"/>
-    <p:sldId id="258" r:id="rId3"/>
-    <p:sldId id="259" r:id="rId4"/>
-    <p:sldId id="267" r:id="rId5"/>
-    <p:sldId id="260" r:id="rId6"/>
-    <p:sldId id="269" r:id="rId7"/>
-    <p:sldId id="261" r:id="rId8"/>
-    <p:sldId id="271" r:id="rId9"/>
-    <p:sldId id="270" r:id="rId10"/>
-    <p:sldId id="265" r:id="rId11"/>
-    <p:sldId id="272" r:id="rId12"/>
-    <p:sldId id="262" r:id="rId13"/>
-    <p:sldId id="263" r:id="rId14"/>
-    <p:sldId id="264" r:id="rId15"/>
-    <p:sldId id="273" r:id="rId16"/>
-    <p:sldId id="274" r:id="rId17"/>
+    <p:sldId id="275" r:id="rId3"/>
+    <p:sldId id="258" r:id="rId4"/>
+    <p:sldId id="259" r:id="rId5"/>
+    <p:sldId id="267" r:id="rId6"/>
+    <p:sldId id="260" r:id="rId7"/>
+    <p:sldId id="269" r:id="rId8"/>
+    <p:sldId id="261" r:id="rId9"/>
+    <p:sldId id="271" r:id="rId10"/>
+    <p:sldId id="270" r:id="rId11"/>
+    <p:sldId id="262" r:id="rId12"/>
+    <p:sldId id="263" r:id="rId13"/>
+    <p:sldId id="265" r:id="rId14"/>
+    <p:sldId id="272" r:id="rId15"/>
+    <p:sldId id="264" r:id="rId16"/>
+    <p:sldId id="273" r:id="rId17"/>
+    <p:sldId id="274" r:id="rId18"/>
   </p:sldIdLst>
   <p:sldSz cx="12192000" cy="6858000"/>
   <p:notesSz cx="6858000" cy="9144000"/>
@@ -256,7 +257,7 @@
           <a:p>
             <a:fld id="{415456A8-C919-4247-AD84-F26F5CAFF3CC}" type="datetimeFigureOut">
               <a:rPr lang="en-US" smtClean="0"/>
-              <a:t>3/28/2017</a:t>
+              <a:t>4/1/2017</a:t>
             </a:fld>
             <a:endParaRPr lang="en-US"/>
           </a:p>
@@ -424,7 +425,7 @@
           <a:p>
             <a:fld id="{415456A8-C919-4247-AD84-F26F5CAFF3CC}" type="datetimeFigureOut">
               <a:rPr lang="en-US" smtClean="0"/>
-              <a:t>3/28/2017</a:t>
+              <a:t>4/1/2017</a:t>
             </a:fld>
             <a:endParaRPr lang="en-US"/>
           </a:p>
@@ -602,7 +603,7 @@
           <a:p>
             <a:fld id="{415456A8-C919-4247-AD84-F26F5CAFF3CC}" type="datetimeFigureOut">
               <a:rPr lang="en-US" smtClean="0"/>
-              <a:t>3/28/2017</a:t>
+              <a:t>4/1/2017</a:t>
             </a:fld>
             <a:endParaRPr lang="en-US"/>
           </a:p>
@@ -770,7 +771,7 @@
           <a:p>
             <a:fld id="{415456A8-C919-4247-AD84-F26F5CAFF3CC}" type="datetimeFigureOut">
               <a:rPr lang="en-US" smtClean="0"/>
-              <a:t>3/28/2017</a:t>
+              <a:t>4/1/2017</a:t>
             </a:fld>
             <a:endParaRPr lang="en-US"/>
           </a:p>
@@ -1015,7 +1016,7 @@
           <a:p>
             <a:fld id="{415456A8-C919-4247-AD84-F26F5CAFF3CC}" type="datetimeFigureOut">
               <a:rPr lang="en-US" smtClean="0"/>
-              <a:t>3/28/2017</a:t>
+              <a:t>4/1/2017</a:t>
             </a:fld>
             <a:endParaRPr lang="en-US"/>
           </a:p>
@@ -1244,7 +1245,7 @@
           <a:p>
             <a:fld id="{415456A8-C919-4247-AD84-F26F5CAFF3CC}" type="datetimeFigureOut">
               <a:rPr lang="en-US" smtClean="0"/>
-              <a:t>3/28/2017</a:t>
+              <a:t>4/1/2017</a:t>
             </a:fld>
             <a:endParaRPr lang="en-US"/>
           </a:p>
@@ -1608,7 +1609,7 @@
           <a:p>
             <a:fld id="{415456A8-C919-4247-AD84-F26F5CAFF3CC}" type="datetimeFigureOut">
               <a:rPr lang="en-US" smtClean="0"/>
-              <a:t>3/28/2017</a:t>
+              <a:t>4/1/2017</a:t>
             </a:fld>
             <a:endParaRPr lang="en-US"/>
           </a:p>
@@ -1725,7 +1726,7 @@
           <a:p>
             <a:fld id="{415456A8-C919-4247-AD84-F26F5CAFF3CC}" type="datetimeFigureOut">
               <a:rPr lang="en-US" smtClean="0"/>
-              <a:t>3/28/2017</a:t>
+              <a:t>4/1/2017</a:t>
             </a:fld>
             <a:endParaRPr lang="en-US"/>
           </a:p>
@@ -1820,7 +1821,7 @@
           <a:p>
             <a:fld id="{415456A8-C919-4247-AD84-F26F5CAFF3CC}" type="datetimeFigureOut">
               <a:rPr lang="en-US" smtClean="0"/>
-              <a:t>3/28/2017</a:t>
+              <a:t>4/1/2017</a:t>
             </a:fld>
             <a:endParaRPr lang="en-US"/>
           </a:p>
@@ -2095,7 +2096,7 @@
           <a:p>
             <a:fld id="{415456A8-C919-4247-AD84-F26F5CAFF3CC}" type="datetimeFigureOut">
               <a:rPr lang="en-US" smtClean="0"/>
-              <a:t>3/28/2017</a:t>
+              <a:t>4/1/2017</a:t>
             </a:fld>
             <a:endParaRPr lang="en-US"/>
           </a:p>
@@ -2347,7 +2348,7 @@
           <a:p>
             <a:fld id="{415456A8-C919-4247-AD84-F26F5CAFF3CC}" type="datetimeFigureOut">
               <a:rPr lang="en-US" smtClean="0"/>
-              <a:t>3/28/2017</a:t>
+              <a:t>4/1/2017</a:t>
             </a:fld>
             <a:endParaRPr lang="en-US"/>
           </a:p>
@@ -2558,7 +2559,7 @@
           <a:p>
             <a:fld id="{415456A8-C919-4247-AD84-F26F5CAFF3CC}" type="datetimeFigureOut">
               <a:rPr lang="en-US" smtClean="0"/>
-              <a:t>3/28/2017</a:t>
+              <a:t>4/1/2017</a:t>
             </a:fld>
             <a:endParaRPr lang="en-US"/>
           </a:p>
@@ -3290,131 +3291,39 @@
             <a:spLocks noGrp="1"/>
           </p:cNvSpPr>
           <p:nvPr>
-            <p:ph type="title"/>
-          </p:nvPr>
-        </p:nvSpPr>
-        <p:spPr>
-          <a:xfrm>
-            <a:off x="838200" y="365125"/>
-            <a:ext cx="10515600" cy="856163"/>
-          </a:xfrm>
-        </p:spPr>
+            <p:ph type="ctrTitle"/>
+          </p:nvPr>
+        </p:nvSpPr>
+        <p:spPr/>
         <p:txBody>
           <a:bodyPr/>
           <a:lstStyle/>
           <a:p>
             <a:r>
               <a:rPr lang="en-US" dirty="0"/>
-              <a:t>Using Docker to manage containers</a:t>
-            </a:r>
-          </a:p>
-        </p:txBody>
-      </p:sp>
-      <p:sp>
-        <p:nvSpPr>
-          <p:cNvPr id="3" name="Content Placeholder 2"/>
-          <p:cNvSpPr>
-            <a:spLocks noGrp="1"/>
-          </p:cNvSpPr>
-          <p:nvPr>
-            <p:ph idx="1"/>
-          </p:nvPr>
-        </p:nvSpPr>
-        <p:spPr>
-          <a:xfrm>
-            <a:off x="838200" y="1302707"/>
-            <a:ext cx="10515600" cy="4874256"/>
-          </a:xfrm>
-        </p:spPr>
+              <a:t>Containers</a:t>
+            </a:r>
+          </a:p>
+        </p:txBody>
+      </p:sp>
+      <p:sp>
+        <p:nvSpPr>
+          <p:cNvPr id="3" name="Subtitle 2"/>
+          <p:cNvSpPr>
+            <a:spLocks noGrp="1"/>
+          </p:cNvSpPr>
+          <p:nvPr>
+            <p:ph type="subTitle" idx="1"/>
+          </p:nvPr>
+        </p:nvSpPr>
+        <p:spPr/>
         <p:txBody>
           <a:bodyPr/>
           <a:lstStyle/>
           <a:p>
             <a:r>
               <a:rPr lang="en-US" dirty="0"/>
-              <a:t>Download Docker for your pc or mac</a:t>
-            </a:r>
-          </a:p>
-          <a:p>
-            <a:pPr lvl="1"/>
-            <a:r>
-              <a:rPr lang="en-US" dirty="0">
-                <a:hlinkClick r:id="rId2"/>
-              </a:rPr>
-              <a:t>https://docs.docker.com/engine/installation/</a:t>
-            </a:r>
-            <a:endParaRPr lang="en-US" dirty="0"/>
-          </a:p>
-          <a:p>
-            <a:r>
-              <a:rPr lang="en-US" dirty="0"/>
-              <a:t>Or login to your Azure data science </a:t>
-            </a:r>
-            <a:r>
-              <a:rPr lang="en-US" dirty="0" err="1"/>
-              <a:t>linux</a:t>
-            </a:r>
-            <a:r>
-              <a:rPr lang="en-US" dirty="0"/>
-              <a:t> </a:t>
-            </a:r>
-            <a:r>
-              <a:rPr lang="en-US" dirty="0" err="1"/>
-              <a:t>vm</a:t>
-            </a:r>
-            <a:r>
-              <a:rPr lang="en-US" dirty="0"/>
-              <a:t> </a:t>
-            </a:r>
-          </a:p>
-          <a:p>
-            <a:r>
-              <a:rPr lang="en-US" dirty="0"/>
-              <a:t>Type</a:t>
-            </a:r>
-            <a:br>
-              <a:rPr lang="en-US" dirty="0"/>
-            </a:br>
-            <a:r>
-              <a:rPr lang="en-US" dirty="0"/>
-              <a:t>	sudo docker </a:t>
-            </a:r>
-            <a:r>
-              <a:rPr lang="en-US" dirty="0" err="1"/>
-              <a:t>ps</a:t>
-            </a:r>
-            <a:endParaRPr lang="en-US" dirty="0"/>
-          </a:p>
-          <a:p>
-            <a:r>
-              <a:rPr lang="en-US" dirty="0"/>
-              <a:t>Type</a:t>
-            </a:r>
-            <a:br>
-              <a:rPr lang="en-US" dirty="0"/>
-            </a:br>
-            <a:r>
-              <a:rPr lang="en-US" dirty="0"/>
-              <a:t>	sudo docker run –it </a:t>
-            </a:r>
-            <a:r>
-              <a:rPr lang="en-US" dirty="0" err="1"/>
-              <a:t>ubuntu</a:t>
-            </a:r>
-            <a:endParaRPr lang="en-US" dirty="0"/>
-          </a:p>
-          <a:p>
-            <a:r>
-              <a:rPr lang="en-US" dirty="0"/>
-              <a:t>You are now running Ubuntu </a:t>
-            </a:r>
-            <a:r>
-              <a:rPr lang="en-US" dirty="0" err="1"/>
-              <a:t>linix</a:t>
-            </a:r>
-            <a:r>
-              <a:rPr lang="en-US" dirty="0"/>
-              <a:t> in a container.   -it give you the i/o for the shell.</a:t>
+              <a:t>An alternative to virtual machines for encapsulating software</a:t>
             </a:r>
           </a:p>
         </p:txBody>
@@ -3422,7 +3331,7 @@
     </p:spTree>
     <p:extLst>
       <p:ext uri="{BB962C8B-B14F-4D97-AF65-F5344CB8AC3E}">
-        <p14:creationId xmlns:p14="http://schemas.microsoft.com/office/powerpoint/2010/main" val="1727490654"/>
+        <p14:creationId xmlns:p14="http://schemas.microsoft.com/office/powerpoint/2010/main" val="563079645"/>
       </p:ext>
     </p:extLst>
   </p:cSld>
@@ -3459,14 +3368,21 @@
             <p:ph type="title"/>
           </p:nvPr>
         </p:nvSpPr>
-        <p:spPr/>
-        <p:txBody>
-          <a:bodyPr/>
-          <a:lstStyle/>
-          <a:p>
-            <a:r>
-              <a:rPr lang="en-US" dirty="0"/>
-              <a:t>Containers as a way to share science</a:t>
+        <p:spPr>
+          <a:xfrm>
+            <a:off x="838200" y="365126"/>
+            <a:ext cx="10515600" cy="688878"/>
+          </a:xfrm>
+        </p:spPr>
+        <p:txBody>
+          <a:bodyPr>
+            <a:normAutofit fontScale="90000"/>
+          </a:bodyPr>
+          <a:lstStyle/>
+          <a:p>
+            <a:r>
+              <a:rPr lang="en-US" dirty="0"/>
+              <a:t>What are VMs?  containers?</a:t>
             </a:r>
           </a:p>
         </p:txBody>
@@ -3481,150 +3397,94 @@
             <p:ph idx="1"/>
           </p:nvPr>
         </p:nvSpPr>
-        <p:spPr/>
+        <p:spPr>
+          <a:xfrm>
+            <a:off x="263434" y="1054004"/>
+            <a:ext cx="11588932" cy="2028830"/>
+          </a:xfrm>
+        </p:spPr>
         <p:txBody>
           <a:bodyPr>
-            <a:normAutofit fontScale="92500" lnSpcReduction="10000"/>
+            <a:normAutofit fontScale="92500" lnSpcReduction="20000"/>
           </a:bodyPr>
           <a:lstStyle/>
           <a:p>
             <a:r>
               <a:rPr lang="en-US" dirty="0"/>
-              <a:t>Lots of our sample </a:t>
-            </a:r>
-            <a:r>
-              <a:rPr lang="en-US" dirty="0" err="1"/>
-              <a:t>jupyter</a:t>
-            </a:r>
-            <a:r>
-              <a:rPr lang="en-US" dirty="0"/>
-              <a:t> notebooks</a:t>
-            </a:r>
-          </a:p>
-          <a:p>
-            <a:r>
-              <a:rPr lang="en-US" dirty="0"/>
-              <a:t>For this tutorial we have a container</a:t>
-            </a:r>
-          </a:p>
-          <a:p>
-            <a:pPr marL="0" indent="0">
-              <a:buNone/>
-            </a:pPr>
-            <a:r>
-              <a:rPr lang="en-US" dirty="0"/>
-              <a:t>   &gt;docker run –it –p 8888:8888 dbgannon/tutorial</a:t>
-            </a:r>
-          </a:p>
-          <a:p>
-            <a:pPr marL="0" indent="0">
-              <a:buNone/>
-            </a:pPr>
-            <a:r>
-              <a:rPr lang="en-US" dirty="0"/>
-              <a:t>	</a:t>
-            </a:r>
-            <a:r>
-              <a:rPr lang="en-US" sz="2200" dirty="0"/>
-              <a:t>password = tutorial</a:t>
-            </a:r>
-          </a:p>
-          <a:p>
-            <a:pPr lvl="1"/>
-            <a:r>
-              <a:rPr lang="en-US" dirty="0"/>
-              <a:t>contains lots of our sample </a:t>
-            </a:r>
-            <a:r>
-              <a:rPr lang="en-US" dirty="0" err="1"/>
-              <a:t>jupyter</a:t>
-            </a:r>
-            <a:r>
-              <a:rPr lang="en-US" dirty="0"/>
-              <a:t> notebooks</a:t>
-            </a:r>
-          </a:p>
-          <a:p>
-            <a:r>
-              <a:rPr lang="en-US" dirty="0"/>
-              <a:t>Many other Science containers:</a:t>
-            </a:r>
-          </a:p>
-          <a:p>
-            <a:pPr lvl="1"/>
-            <a:r>
-              <a:rPr lang="en-US" dirty="0"/>
-              <a:t>Bio  - Galaxy and Hamburg genome toolkit</a:t>
-            </a:r>
-          </a:p>
-          <a:p>
-            <a:pPr lvl="1"/>
-            <a:r>
-              <a:rPr lang="en-US" dirty="0"/>
-              <a:t>Geosciences – </a:t>
-            </a:r>
-            <a:r>
-              <a:rPr lang="en-US" dirty="0" err="1"/>
-              <a:t>geoserver</a:t>
-            </a:r>
-            <a:endParaRPr lang="en-US" dirty="0"/>
-          </a:p>
-          <a:p>
-            <a:pPr lvl="1"/>
-            <a:r>
-              <a:rPr lang="en-US" dirty="0"/>
-              <a:t>Astronomy – LOFAR, </a:t>
-            </a:r>
-            <a:r>
-              <a:rPr lang="en-US" dirty="0" err="1"/>
-              <a:t>PyImager</a:t>
-            </a:r>
-            <a:r>
-              <a:rPr lang="en-US" dirty="0"/>
-              <a:t>, </a:t>
-            </a:r>
-            <a:r>
-              <a:rPr lang="en-US" dirty="0" err="1"/>
-              <a:t>MegTree</a:t>
-            </a:r>
-            <a:endParaRPr lang="en-US" dirty="0"/>
-          </a:p>
-          <a:p>
-            <a:pPr lvl="1"/>
-            <a:r>
-              <a:rPr lang="en-US" dirty="0"/>
-              <a:t>Engineering – </a:t>
-            </a:r>
-            <a:r>
-              <a:rPr lang="en-US" dirty="0" err="1"/>
-              <a:t>Ubercloud</a:t>
-            </a:r>
-            <a:r>
-              <a:rPr lang="en-US" dirty="0"/>
-              <a:t> project (theubercloud.com)</a:t>
-            </a:r>
-          </a:p>
-          <a:p>
-            <a:pPr lvl="1"/>
-            <a:r>
-              <a:rPr lang="en-US" dirty="0"/>
-              <a:t>Math – </a:t>
-            </a:r>
-            <a:r>
-              <a:rPr lang="en-US" dirty="0" err="1"/>
-              <a:t>Matlab</a:t>
-            </a:r>
-            <a:r>
-              <a:rPr lang="en-US" dirty="0"/>
-              <a:t>, Axiom</a:t>
-            </a:r>
-          </a:p>
-        </p:txBody>
-      </p:sp>
+              <a:t>A VM is an instance of a complete operating system and file system running on the virtualized hardware.</a:t>
+            </a:r>
+          </a:p>
+          <a:p>
+            <a:r>
+              <a:rPr lang="en-US" dirty="0"/>
+              <a:t>Containers share components of the hosts OS and file system and are more similar to a process.  (Uses special Linux features “control groups” and “name space isolation” to partition process space and layer new private  file system components on the host filesystem.)</a:t>
+            </a:r>
+          </a:p>
+        </p:txBody>
+      </p:sp>
+      <p:pic>
+        <p:nvPicPr>
+          <p:cNvPr id="5" name="Picture 4"/>
+          <p:cNvPicPr>
+            <a:picLocks noChangeAspect="1"/>
+          </p:cNvPicPr>
+          <p:nvPr/>
+        </p:nvPicPr>
+        <p:blipFill rotWithShape="1">
+          <a:blip r:embed="rId2">
+            <a:extLst>
+              <a:ext uri="{28A0092B-C50C-407E-A947-70E740481C1C}">
+                <a14:useLocalDpi xmlns:a14="http://schemas.microsoft.com/office/drawing/2010/main" val="0"/>
+              </a:ext>
+            </a:extLst>
+          </a:blip>
+          <a:srcRect l="-21914" t="-2473" r="12554" b="2940"/>
+          <a:stretch/>
+        </p:blipFill>
+        <p:spPr>
+          <a:xfrm>
+            <a:off x="7591610" y="3438596"/>
+            <a:ext cx="4600390" cy="3091410"/>
+          </a:xfrm>
+          <a:prstGeom prst="rect">
+            <a:avLst/>
+          </a:prstGeom>
+        </p:spPr>
+      </p:pic>
+      <p:pic>
+        <p:nvPicPr>
+          <p:cNvPr id="4" name="Picture 3"/>
+          <p:cNvPicPr>
+            <a:picLocks noChangeAspect="1"/>
+          </p:cNvPicPr>
+          <p:nvPr/>
+        </p:nvPicPr>
+        <p:blipFill>
+          <a:blip r:embed="rId3">
+            <a:extLst>
+              <a:ext uri="{28A0092B-C50C-407E-A947-70E740481C1C}">
+                <a14:useLocalDpi xmlns:a14="http://schemas.microsoft.com/office/drawing/2010/main" val="0"/>
+              </a:ext>
+            </a:extLst>
+          </a:blip>
+          <a:stretch>
+            <a:fillRect/>
+          </a:stretch>
+        </p:blipFill>
+        <p:spPr>
+          <a:xfrm>
+            <a:off x="0" y="2955471"/>
+            <a:ext cx="9159655" cy="3902529"/>
+          </a:xfrm>
+          <a:prstGeom prst="rect">
+            <a:avLst/>
+          </a:prstGeom>
+        </p:spPr>
+      </p:pic>
     </p:spTree>
     <p:extLst>
       <p:ext uri="{BB962C8B-B14F-4D97-AF65-F5344CB8AC3E}">
-        <p14:creationId xmlns:p14="http://schemas.microsoft.com/office/powerpoint/2010/main" val="1370651064"/>
+        <p14:creationId xmlns:p14="http://schemas.microsoft.com/office/powerpoint/2010/main" val="228648773"/>
       </p:ext>
     </p:extLst>
   </p:cSld>
@@ -3661,89 +3521,18 @@
             <p:ph type="title"/>
           </p:nvPr>
         </p:nvSpPr>
-        <p:spPr>
-          <a:xfrm>
-            <a:off x="838200" y="365126"/>
-            <a:ext cx="10515600" cy="688878"/>
-          </a:xfrm>
-        </p:spPr>
-        <p:txBody>
-          <a:bodyPr>
-            <a:normAutofit fontScale="90000"/>
-          </a:bodyPr>
-          <a:lstStyle/>
-          <a:p>
-            <a:r>
-              <a:rPr lang="en-US" dirty="0"/>
-              <a:t>What are VMs?  containers?</a:t>
-            </a:r>
-          </a:p>
-        </p:txBody>
-      </p:sp>
-      <p:sp>
-        <p:nvSpPr>
-          <p:cNvPr id="3" name="Content Placeholder 2"/>
-          <p:cNvSpPr>
-            <a:spLocks noGrp="1"/>
-          </p:cNvSpPr>
-          <p:nvPr>
-            <p:ph idx="1"/>
-          </p:nvPr>
-        </p:nvSpPr>
-        <p:spPr>
-          <a:xfrm>
-            <a:off x="263434" y="1054004"/>
-            <a:ext cx="11588932" cy="2028830"/>
-          </a:xfrm>
-        </p:spPr>
-        <p:txBody>
-          <a:bodyPr>
-            <a:normAutofit lnSpcReduction="10000"/>
-          </a:bodyPr>
-          <a:lstStyle/>
-          <a:p>
-            <a:r>
-              <a:rPr lang="en-US" dirty="0"/>
-              <a:t>Virtual machines use a “hypervisor” to provide a complete virtualization of the hosts hardware.   A VM is an instance of a complete operating system and file system running on the virtualized hardware.</a:t>
-            </a:r>
-          </a:p>
-          <a:p>
-            <a:r>
-              <a:rPr lang="en-US" dirty="0"/>
-              <a:t>Containers share components of the hosts OS and file system and are more similar to a process.</a:t>
-            </a:r>
-          </a:p>
-        </p:txBody>
-      </p:sp>
-      <p:pic>
-        <p:nvPicPr>
-          <p:cNvPr id="5" name="Picture 4"/>
-          <p:cNvPicPr>
-            <a:picLocks noChangeAspect="1"/>
-          </p:cNvPicPr>
-          <p:nvPr/>
-        </p:nvPicPr>
-        <p:blipFill rotWithShape="1">
-          <a:blip r:embed="rId2">
-            <a:extLst>
-              <a:ext uri="{28A0092B-C50C-407E-A947-70E740481C1C}">
-                <a14:useLocalDpi xmlns:a14="http://schemas.microsoft.com/office/drawing/2010/main" val="0"/>
-              </a:ext>
-            </a:extLst>
-          </a:blip>
-          <a:srcRect l="-21914" t="-2473" r="12554" b="2940"/>
-          <a:stretch/>
-        </p:blipFill>
-        <p:spPr>
-          <a:xfrm>
-            <a:off x="7591610" y="3438596"/>
-            <a:ext cx="4600390" cy="3091410"/>
-          </a:xfrm>
-          <a:prstGeom prst="rect">
-            <a:avLst/>
-          </a:prstGeom>
-        </p:spPr>
-      </p:pic>
+        <p:spPr/>
+        <p:txBody>
+          <a:bodyPr/>
+          <a:lstStyle/>
+          <a:p>
+            <a:r>
+              <a:rPr lang="en-US" dirty="0"/>
+              <a:t>Advantages</a:t>
+            </a:r>
+          </a:p>
+        </p:txBody>
+      </p:sp>
       <p:pic>
         <p:nvPicPr>
           <p:cNvPr id="4" name="Picture 3"/>
@@ -3753,7 +3542,7 @@
           <p:nvPr/>
         </p:nvPicPr>
         <p:blipFill>
-          <a:blip r:embed="rId3">
+          <a:blip r:embed="rId2">
             <a:extLst>
               <a:ext uri="{28A0092B-C50C-407E-A947-70E740481C1C}">
                 <a14:useLocalDpi xmlns:a14="http://schemas.microsoft.com/office/drawing/2010/main" val="0"/>
@@ -3766,8 +3555,8 @@
         </p:blipFill>
         <p:spPr>
           <a:xfrm>
-            <a:off x="0" y="2955471"/>
-            <a:ext cx="9159655" cy="3902529"/>
+            <a:off x="625570" y="1690688"/>
+            <a:ext cx="11186412" cy="2644061"/>
           </a:xfrm>
           <a:prstGeom prst="rect">
             <a:avLst/>
@@ -3777,7 +3566,7 @@
     </p:spTree>
     <p:extLst>
       <p:ext uri="{BB962C8B-B14F-4D97-AF65-F5344CB8AC3E}">
-        <p14:creationId xmlns:p14="http://schemas.microsoft.com/office/powerpoint/2010/main" val="228648773"/>
+        <p14:creationId xmlns:p14="http://schemas.microsoft.com/office/powerpoint/2010/main" val="1863628077"/>
       </p:ext>
     </p:extLst>
   </p:cSld>
@@ -3814,52 +3603,136 @@
             <p:ph type="title"/>
           </p:nvPr>
         </p:nvSpPr>
-        <p:spPr/>
+        <p:spPr>
+          <a:xfrm>
+            <a:off x="838200" y="365125"/>
+            <a:ext cx="10515600" cy="856163"/>
+          </a:xfrm>
+        </p:spPr>
         <p:txBody>
           <a:bodyPr/>
           <a:lstStyle/>
           <a:p>
             <a:r>
               <a:rPr lang="en-US" dirty="0"/>
-              <a:t>Advantages</a:t>
-            </a:r>
-          </a:p>
-        </p:txBody>
-      </p:sp>
-      <p:pic>
-        <p:nvPicPr>
-          <p:cNvPr id="4" name="Picture 3"/>
-          <p:cNvPicPr>
-            <a:picLocks noChangeAspect="1"/>
-          </p:cNvPicPr>
-          <p:nvPr/>
-        </p:nvPicPr>
-        <p:blipFill>
-          <a:blip r:embed="rId2">
-            <a:extLst>
-              <a:ext uri="{28A0092B-C50C-407E-A947-70E740481C1C}">
-                <a14:useLocalDpi xmlns:a14="http://schemas.microsoft.com/office/drawing/2010/main" val="0"/>
-              </a:ext>
-            </a:extLst>
-          </a:blip>
-          <a:stretch>
-            <a:fillRect/>
-          </a:stretch>
-        </p:blipFill>
-        <p:spPr>
-          <a:xfrm>
-            <a:off x="625570" y="1690688"/>
-            <a:ext cx="11186412" cy="2644061"/>
-          </a:xfrm>
-          <a:prstGeom prst="rect">
-            <a:avLst/>
-          </a:prstGeom>
-        </p:spPr>
-      </p:pic>
+              <a:t>Using Docker to manage containers</a:t>
+            </a:r>
+          </a:p>
+        </p:txBody>
+      </p:sp>
+      <p:sp>
+        <p:nvSpPr>
+          <p:cNvPr id="3" name="Content Placeholder 2"/>
+          <p:cNvSpPr>
+            <a:spLocks noGrp="1"/>
+          </p:cNvSpPr>
+          <p:nvPr>
+            <p:ph idx="1"/>
+          </p:nvPr>
+        </p:nvSpPr>
+        <p:spPr>
+          <a:xfrm>
+            <a:off x="838200" y="1302707"/>
+            <a:ext cx="10515600" cy="4874256"/>
+          </a:xfrm>
+        </p:spPr>
+        <p:txBody>
+          <a:bodyPr/>
+          <a:lstStyle/>
+          <a:p>
+            <a:r>
+              <a:rPr lang="en-US" dirty="0"/>
+              <a:t>Download Docker for your pc or mac</a:t>
+            </a:r>
+          </a:p>
+          <a:p>
+            <a:pPr lvl="1"/>
+            <a:r>
+              <a:rPr lang="en-US" dirty="0">
+                <a:hlinkClick r:id="rId2"/>
+              </a:rPr>
+              <a:t>https://docs.docker.com/engine/installation/</a:t>
+            </a:r>
+            <a:endParaRPr lang="en-US" dirty="0"/>
+          </a:p>
+          <a:p>
+            <a:r>
+              <a:rPr lang="en-US" dirty="0"/>
+              <a:t>Or login to your Azure data science </a:t>
+            </a:r>
+            <a:r>
+              <a:rPr lang="en-US" dirty="0" err="1"/>
+              <a:t>linux</a:t>
+            </a:r>
+            <a:r>
+              <a:rPr lang="en-US" dirty="0"/>
+              <a:t> </a:t>
+            </a:r>
+            <a:r>
+              <a:rPr lang="en-US" dirty="0" err="1"/>
+              <a:t>vm</a:t>
+            </a:r>
+            <a:r>
+              <a:rPr lang="en-US" dirty="0"/>
+              <a:t> </a:t>
+            </a:r>
+          </a:p>
+          <a:p>
+            <a:r>
+              <a:rPr lang="en-US" dirty="0"/>
+              <a:t>Type</a:t>
+            </a:r>
+            <a:br>
+              <a:rPr lang="en-US" dirty="0"/>
+            </a:br>
+            <a:r>
+              <a:rPr lang="en-US" dirty="0"/>
+              <a:t>	sudo docker </a:t>
+            </a:r>
+            <a:r>
+              <a:rPr lang="en-US" dirty="0" err="1"/>
+              <a:t>ps</a:t>
+            </a:r>
+            <a:endParaRPr lang="en-US" dirty="0"/>
+          </a:p>
+          <a:p>
+            <a:r>
+              <a:rPr lang="en-US" dirty="0"/>
+              <a:t>Type</a:t>
+            </a:r>
+            <a:br>
+              <a:rPr lang="en-US" dirty="0"/>
+            </a:br>
+            <a:r>
+              <a:rPr lang="en-US" dirty="0"/>
+              <a:t>	sudo docker run –it </a:t>
+            </a:r>
+            <a:r>
+              <a:rPr lang="en-US" dirty="0" err="1"/>
+              <a:t>ubuntu</a:t>
+            </a:r>
+            <a:endParaRPr lang="en-US" dirty="0"/>
+          </a:p>
+          <a:p>
+            <a:r>
+              <a:rPr lang="en-US" dirty="0"/>
+              <a:t>You are now running Ubuntu </a:t>
+            </a:r>
+            <a:r>
+              <a:rPr lang="en-US" dirty="0" err="1"/>
+              <a:t>linix</a:t>
+            </a:r>
+            <a:r>
+              <a:rPr lang="en-US" dirty="0"/>
+              <a:t> in a container.   -it give you the i/o for the shell.</a:t>
+            </a:r>
+          </a:p>
+        </p:txBody>
+      </p:sp>
     </p:spTree>
     <p:extLst>
       <p:ext uri="{BB962C8B-B14F-4D97-AF65-F5344CB8AC3E}">
-        <p14:creationId xmlns:p14="http://schemas.microsoft.com/office/powerpoint/2010/main" val="1863628077"/>
+        <p14:creationId xmlns:p14="http://schemas.microsoft.com/office/powerpoint/2010/main" val="1727490654"/>
       </p:ext>
     </p:extLst>
   </p:cSld>
@@ -3896,19 +3769,14 @@
             <p:ph type="title"/>
           </p:nvPr>
         </p:nvSpPr>
-        <p:spPr>
-          <a:xfrm>
-            <a:off x="838200" y="365126"/>
-            <a:ext cx="10515600" cy="863210"/>
-          </a:xfrm>
-        </p:spPr>
+        <p:spPr/>
         <p:txBody>
           <a:bodyPr/>
           <a:lstStyle/>
           <a:p>
             <a:r>
               <a:rPr lang="en-US" dirty="0"/>
-              <a:t>Creating a container from other containers</a:t>
+              <a:t>Containers as a way to share science</a:t>
             </a:r>
           </a:p>
         </p:txBody>
@@ -3923,145 +3791,16 @@
             <p:ph idx="1"/>
           </p:nvPr>
         </p:nvSpPr>
-        <p:spPr>
-          <a:xfrm>
-            <a:off x="684636" y="1472283"/>
-            <a:ext cx="5628482" cy="3218713"/>
-          </a:xfrm>
-        </p:spPr>
+        <p:spPr/>
         <p:txBody>
           <a:bodyPr>
-            <a:normAutofit fontScale="77500" lnSpcReduction="20000"/>
+            <a:normAutofit fontScale="92500" lnSpcReduction="10000"/>
           </a:bodyPr>
           <a:lstStyle/>
           <a:p>
             <a:r>
               <a:rPr lang="en-US" dirty="0"/>
-              <a:t>A directory with</a:t>
-            </a:r>
-          </a:p>
-          <a:p>
-            <a:pPr lvl="1"/>
-            <a:r>
-              <a:rPr lang="en-US" dirty="0"/>
-              <a:t>A “</a:t>
-            </a:r>
-            <a:r>
-              <a:rPr lang="en-US" dirty="0" err="1"/>
-              <a:t>Dockerfile</a:t>
-            </a:r>
-            <a:r>
-              <a:rPr lang="en-US" dirty="0"/>
-              <a:t>”</a:t>
-            </a:r>
-          </a:p>
-          <a:p>
-            <a:pPr lvl="1"/>
-            <a:r>
-              <a:rPr lang="en-US" dirty="0"/>
-              <a:t>Things you want in the container</a:t>
-            </a:r>
-          </a:p>
-          <a:p>
-            <a:pPr lvl="2"/>
-            <a:r>
-              <a:rPr lang="en-US" dirty="0"/>
-              <a:t>A script</a:t>
-            </a:r>
-          </a:p>
-          <a:p>
-            <a:pPr lvl="2"/>
-            <a:r>
-              <a:rPr lang="en-US" dirty="0"/>
-              <a:t>A directory of data file: </a:t>
-            </a:r>
-            <a:r>
-              <a:rPr lang="en-US" dirty="0" err="1"/>
-              <a:t>datadir</a:t>
-            </a:r>
-            <a:endParaRPr lang="en-US" dirty="0"/>
-          </a:p>
-          <a:p>
-            <a:pPr lvl="2"/>
-            <a:r>
-              <a:rPr lang="en-US" dirty="0"/>
-              <a:t>A directory  of the notebook examples</a:t>
-            </a:r>
-          </a:p>
-          <a:p>
-            <a:pPr lvl="2"/>
-            <a:r>
-              <a:rPr lang="en-US" dirty="0"/>
-              <a:t>An </a:t>
-            </a:r>
-            <a:r>
-              <a:rPr lang="en-US" dirty="0" err="1"/>
-              <a:t>openssl</a:t>
-            </a:r>
-            <a:r>
-              <a:rPr lang="en-US" dirty="0"/>
-              <a:t> certificate and key file</a:t>
-            </a:r>
-          </a:p>
-          <a:p>
-            <a:r>
-              <a:rPr lang="en-US" dirty="0"/>
-              <a:t>A secure hash of a password “tutorial” as a ‘sha1:….” string</a:t>
-            </a:r>
-          </a:p>
-          <a:p>
-            <a:r>
-              <a:rPr lang="en-US" dirty="0"/>
-              <a:t>To build the container I ran</a:t>
-            </a:r>
-          </a:p>
-          <a:p>
-            <a:pPr marL="0" indent="0">
-              <a:buNone/>
-            </a:pPr>
-            <a:r>
-              <a:rPr lang="en-US" dirty="0"/>
-              <a:t>       </a:t>
-            </a:r>
-            <a:r>
-              <a:rPr lang="en-US" sz="2000" dirty="0"/>
-              <a:t>docker build –t=“dbgannon/tutorial” .</a:t>
-            </a:r>
-            <a:endParaRPr lang="en-US" dirty="0"/>
-          </a:p>
-        </p:txBody>
-      </p:sp>
-      <p:sp>
-        <p:nvSpPr>
-          <p:cNvPr id="4" name="TextBox 3"/>
-          <p:cNvSpPr txBox="1"/>
-          <p:nvPr/>
-        </p:nvSpPr>
-        <p:spPr>
-          <a:xfrm>
-            <a:off x="6854510" y="1808716"/>
-            <a:ext cx="4212692" cy="3693319"/>
-          </a:xfrm>
-          <a:prstGeom prst="rect">
-            <a:avLst/>
-          </a:prstGeom>
-          <a:noFill/>
-        </p:spPr>
-        <p:txBody>
-          <a:bodyPr wrap="none" rtlCol="0">
-            <a:spAutoFit/>
-          </a:bodyPr>
-          <a:lstStyle/>
-          <a:p>
-            <a:r>
-              <a:rPr lang="en-US" dirty="0"/>
-              <a:t># Version: 0.1.0</a:t>
-            </a:r>
-          </a:p>
-          <a:p>
-            <a:r>
-              <a:rPr lang="en-US" dirty="0"/>
-              <a:t>FROM </a:t>
+              <a:t>Lots of our sample </a:t>
             </a:r>
             <a:r>
               <a:rPr lang="en-US" dirty="0" err="1"/>
@@ -4069,382 +3808,125 @@
             </a:r>
             <a:r>
               <a:rPr lang="en-US" dirty="0"/>
-              <a:t>/all-spark-notebook </a:t>
-            </a:r>
-          </a:p>
-          <a:p>
-            <a:r>
-              <a:rPr lang="en-US" dirty="0"/>
-              <a:t>MAINTAINER your name "dennis gannon"</a:t>
-            </a:r>
-          </a:p>
-          <a:p>
-            <a:r>
-              <a:rPr lang="en-US" dirty="0"/>
-              <a:t>RUN pip install azure-storage ==0.32.0</a:t>
-            </a:r>
-          </a:p>
-          <a:p>
-            <a:r>
-              <a:rPr lang="en-US" dirty="0"/>
-              <a:t>RUN pip install boto3</a:t>
-            </a:r>
-          </a:p>
-          <a:p>
-            <a:r>
-              <a:rPr lang="en-US" dirty="0"/>
-              <a:t>RUN </a:t>
+              <a:t> notebooks</a:t>
+            </a:r>
+          </a:p>
+          <a:p>
+            <a:r>
+              <a:rPr lang="en-US" dirty="0"/>
+              <a:t>For this tutorial we have a container</a:t>
+            </a:r>
+          </a:p>
+          <a:p>
+            <a:pPr marL="0" indent="0">
+              <a:buNone/>
+            </a:pPr>
+            <a:r>
+              <a:rPr lang="en-US" dirty="0"/>
+              <a:t>   &gt;docker run –it –p 8888:8888 dbgannon/tutorial</a:t>
+            </a:r>
+          </a:p>
+          <a:p>
+            <a:pPr marL="0" indent="0">
+              <a:buNone/>
+            </a:pPr>
+            <a:r>
+              <a:rPr lang="en-US" dirty="0"/>
+              <a:t>	</a:t>
+            </a:r>
+            <a:r>
+              <a:rPr lang="en-US" sz="2200" dirty="0"/>
+              <a:t>password = tutorial</a:t>
+            </a:r>
+          </a:p>
+          <a:p>
+            <a:pPr lvl="1"/>
+            <a:r>
+              <a:rPr lang="en-US" dirty="0"/>
+              <a:t>contains lots of our sample </a:t>
             </a:r>
             <a:r>
               <a:rPr lang="en-US" dirty="0" err="1"/>
-              <a:t>easy_install</a:t>
-            </a:r>
-            <a:r>
-              <a:rPr lang="en-US" dirty="0"/>
-              <a:t> pika</a:t>
-            </a:r>
-          </a:p>
-          <a:p>
-            <a:r>
-              <a:rPr lang="en-US" dirty="0"/>
-              <a:t>RUN </a:t>
+              <a:t>jupyter</a:t>
+            </a:r>
+            <a:r>
+              <a:rPr lang="en-US" dirty="0"/>
+              <a:t> notebooks</a:t>
+            </a:r>
+          </a:p>
+          <a:p>
+            <a:r>
+              <a:rPr lang="en-US" dirty="0"/>
+              <a:t>Many other Science containers:</a:t>
+            </a:r>
+          </a:p>
+          <a:p>
+            <a:pPr lvl="1"/>
+            <a:r>
+              <a:rPr lang="en-US" dirty="0"/>
+              <a:t>Bio  - Galaxy and Hamburg genome toolkit</a:t>
+            </a:r>
+          </a:p>
+          <a:p>
+            <a:pPr lvl="1"/>
+            <a:r>
+              <a:rPr lang="en-US" dirty="0"/>
+              <a:t>Geosciences – </a:t>
             </a:r>
             <a:r>
               <a:rPr lang="en-US" dirty="0" err="1"/>
-              <a:t>easy_install</a:t>
-            </a:r>
-            <a:r>
-              <a:rPr lang="en-US" dirty="0"/>
-              <a:t> bottle</a:t>
-            </a:r>
-          </a:p>
-          <a:p>
-            <a:r>
-              <a:rPr lang="en-US" dirty="0"/>
-              <a:t>COPY book-notebooks /</a:t>
+              <a:t>geoserver</a:t>
+            </a:r>
+            <a:endParaRPr lang="en-US" dirty="0"/>
+          </a:p>
+          <a:p>
+            <a:pPr lvl="1"/>
+            <a:r>
+              <a:rPr lang="en-US" dirty="0"/>
+              <a:t>Astronomy – LOFAR, </a:t>
             </a:r>
             <a:r>
               <a:rPr lang="en-US" dirty="0" err="1"/>
-              <a:t>tutorial_notebooks</a:t>
+              <a:t>PyImager</a:t>
+            </a:r>
+            <a:r>
+              <a:rPr lang="en-US" dirty="0"/>
+              <a:t>, </a:t>
+            </a:r>
+            <a:r>
+              <a:rPr lang="en-US" dirty="0" err="1"/>
+              <a:t>MegTree</a:t>
             </a:r>
             <a:endParaRPr lang="en-US" dirty="0"/>
           </a:p>
           <a:p>
-            <a:r>
-              <a:rPr lang="en-US" dirty="0"/>
-              <a:t>COPY </a:t>
+            <a:pPr lvl="1"/>
+            <a:r>
+              <a:rPr lang="en-US" dirty="0"/>
+              <a:t>Engineering – </a:t>
             </a:r>
             <a:r>
               <a:rPr lang="en-US" dirty="0" err="1"/>
-              <a:t>datadir</a:t>
-            </a:r>
-            <a:r>
-              <a:rPr lang="en-US" dirty="0"/>
-              <a:t> /</a:t>
+              <a:t>Ubercloud</a:t>
+            </a:r>
+            <a:r>
+              <a:rPr lang="en-US" dirty="0"/>
+              <a:t> project (theubercloud.com)</a:t>
+            </a:r>
+          </a:p>
+          <a:p>
+            <a:pPr lvl="1"/>
+            <a:r>
+              <a:rPr lang="en-US" dirty="0"/>
+              <a:t>Math – </a:t>
             </a:r>
             <a:r>
               <a:rPr lang="en-US" dirty="0" err="1"/>
-              <a:t>datadir</a:t>
-            </a:r>
-            <a:endParaRPr lang="en-US" dirty="0"/>
-          </a:p>
-          <a:p>
-            <a:r>
-              <a:rPr lang="en-US" dirty="0"/>
-              <a:t>COPY script /</a:t>
-            </a:r>
-          </a:p>
-          <a:p>
-            <a:r>
-              <a:rPr lang="en-US" dirty="0"/>
-              <a:t>COPY </a:t>
-            </a:r>
-            <a:r>
-              <a:rPr lang="en-US" dirty="0" err="1"/>
-              <a:t>mycert.pem</a:t>
-            </a:r>
-            <a:r>
-              <a:rPr lang="en-US" dirty="0"/>
-              <a:t> /</a:t>
-            </a:r>
-          </a:p>
-          <a:p>
-            <a:r>
-              <a:rPr lang="en-US" dirty="0"/>
-              <a:t>COPY </a:t>
-            </a:r>
-            <a:r>
-              <a:rPr lang="en-US" dirty="0" err="1"/>
-              <a:t>mycert.key</a:t>
-            </a:r>
-            <a:r>
-              <a:rPr lang="en-US" dirty="0"/>
-              <a:t> /</a:t>
-            </a:r>
-          </a:p>
-          <a:p>
-            <a:r>
-              <a:rPr lang="en-US" dirty="0"/>
-              <a:t>CMD ["bash", "/script"]</a:t>
-            </a:r>
-          </a:p>
-        </p:txBody>
-      </p:sp>
-      <p:sp>
-        <p:nvSpPr>
-          <p:cNvPr id="5" name="TextBox 4"/>
-          <p:cNvSpPr txBox="1"/>
-          <p:nvPr/>
-        </p:nvSpPr>
-        <p:spPr>
-          <a:xfrm>
-            <a:off x="6854510" y="1163537"/>
-            <a:ext cx="2932021" cy="461665"/>
-          </a:xfrm>
-          <a:prstGeom prst="rect">
-            <a:avLst/>
-          </a:prstGeom>
-          <a:noFill/>
-        </p:spPr>
-        <p:txBody>
-          <a:bodyPr wrap="none" rtlCol="0">
-            <a:spAutoFit/>
-          </a:bodyPr>
-          <a:lstStyle/>
-          <a:p>
-            <a:r>
-              <a:rPr lang="en-US" sz="2400" dirty="0"/>
-              <a:t>Docker file for tutorial</a:t>
-            </a:r>
-          </a:p>
-        </p:txBody>
-      </p:sp>
-      <p:sp>
-        <p:nvSpPr>
-          <p:cNvPr id="6" name="TextBox 5"/>
-          <p:cNvSpPr txBox="1"/>
-          <p:nvPr/>
-        </p:nvSpPr>
-        <p:spPr>
-          <a:xfrm>
-            <a:off x="404849" y="5444519"/>
-            <a:ext cx="9353138" cy="1200329"/>
-          </a:xfrm>
-          <a:prstGeom prst="rect">
-            <a:avLst/>
-          </a:prstGeom>
-          <a:noFill/>
-        </p:spPr>
-        <p:txBody>
-          <a:bodyPr wrap="none" rtlCol="0">
-            <a:spAutoFit/>
-          </a:bodyPr>
-          <a:lstStyle/>
-          <a:p>
-            <a:r>
-              <a:rPr lang="en-US" dirty="0" err="1"/>
-              <a:t>mkdir</a:t>
-            </a:r>
-            <a:r>
-              <a:rPr lang="en-US" dirty="0"/>
-              <a:t> /home/</a:t>
-            </a:r>
-            <a:r>
-              <a:rPr lang="en-US" dirty="0" err="1"/>
-              <a:t>jovyan</a:t>
-            </a:r>
-            <a:r>
-              <a:rPr lang="en-US" dirty="0"/>
-              <a:t>/work/notebooks</a:t>
-            </a:r>
-          </a:p>
-          <a:p>
-            <a:r>
-              <a:rPr lang="en-US" dirty="0" err="1"/>
-              <a:t>cp</a:t>
-            </a:r>
-            <a:r>
-              <a:rPr lang="en-US" dirty="0"/>
-              <a:t> /</a:t>
-            </a:r>
-            <a:r>
-              <a:rPr lang="en-US" dirty="0" err="1"/>
-              <a:t>tutorial_notebooks</a:t>
-            </a:r>
-            <a:r>
-              <a:rPr lang="en-US" dirty="0"/>
-              <a:t>/* /home/</a:t>
-            </a:r>
-            <a:r>
-              <a:rPr lang="en-US" dirty="0" err="1"/>
-              <a:t>jovyan</a:t>
-            </a:r>
-            <a:r>
-              <a:rPr lang="en-US" dirty="0"/>
-              <a:t>/work/notebooks</a:t>
-            </a:r>
-          </a:p>
-          <a:p>
-            <a:r>
-              <a:rPr lang="en-US" dirty="0"/>
-              <a:t>start-notebook.sh --</a:t>
-            </a:r>
-            <a:r>
-              <a:rPr lang="en-US" dirty="0" err="1"/>
-              <a:t>certfile</a:t>
-            </a:r>
-            <a:r>
-              <a:rPr lang="en-US" dirty="0"/>
-              <a:t>=/</a:t>
-            </a:r>
-            <a:r>
-              <a:rPr lang="en-US" dirty="0" err="1"/>
-              <a:t>mycert.pem</a:t>
-            </a:r>
-            <a:r>
-              <a:rPr lang="en-US" dirty="0"/>
-              <a:t> --</a:t>
-            </a:r>
-            <a:r>
-              <a:rPr lang="en-US" dirty="0" err="1"/>
-              <a:t>keyfile</a:t>
-            </a:r>
-            <a:r>
-              <a:rPr lang="en-US" dirty="0"/>
-              <a:t>=/</a:t>
-            </a:r>
-            <a:r>
-              <a:rPr lang="en-US" dirty="0" err="1"/>
-              <a:t>mycert.key</a:t>
-            </a:r>
-            <a:r>
-              <a:rPr lang="en-US" dirty="0"/>
-              <a:t> \</a:t>
-            </a:r>
-          </a:p>
-          <a:p>
-            <a:r>
-              <a:rPr lang="en-US" dirty="0"/>
-              <a:t>--</a:t>
-            </a:r>
-            <a:r>
-              <a:rPr lang="en-US" dirty="0" err="1"/>
-              <a:t>NotebookApp.password</a:t>
-            </a:r>
-            <a:r>
-              <a:rPr lang="en-US" dirty="0"/>
-              <a:t>='sha1:c02ed938ef17:0934044bb76008a364781d85db149a65fe9bb480'</a:t>
-            </a:r>
-          </a:p>
-        </p:txBody>
-      </p:sp>
-      <p:sp>
-        <p:nvSpPr>
-          <p:cNvPr id="7" name="Rectangle 6"/>
-          <p:cNvSpPr/>
-          <p:nvPr/>
-        </p:nvSpPr>
-        <p:spPr>
-          <a:xfrm>
-            <a:off x="404849" y="5491633"/>
-            <a:ext cx="10449288" cy="1272135"/>
-          </a:xfrm>
-          <a:prstGeom prst="rect">
-            <a:avLst/>
-          </a:prstGeom>
-          <a:noFill/>
-        </p:spPr>
-        <p:style>
-          <a:lnRef idx="2">
-            <a:schemeClr val="accent1">
-              <a:shade val="50000"/>
-            </a:schemeClr>
-          </a:lnRef>
-          <a:fillRef idx="1">
-            <a:schemeClr val="accent1"/>
-          </a:fillRef>
-          <a:effectRef idx="0">
-            <a:schemeClr val="accent1"/>
-          </a:effectRef>
-          <a:fontRef idx="minor">
-            <a:schemeClr val="lt1"/>
-          </a:fontRef>
-        </p:style>
-        <p:txBody>
-          <a:bodyPr rtlCol="0" anchor="ctr"/>
-          <a:lstStyle/>
-          <a:p>
-            <a:pPr algn="ctr"/>
-            <a:endParaRPr lang="en-US"/>
-          </a:p>
-        </p:txBody>
-      </p:sp>
-      <p:sp>
-        <p:nvSpPr>
-          <p:cNvPr id="8" name="Rectangle 7"/>
-          <p:cNvSpPr/>
-          <p:nvPr/>
-        </p:nvSpPr>
-        <p:spPr>
-          <a:xfrm>
-            <a:off x="6760448" y="1717093"/>
-            <a:ext cx="4306754" cy="3727425"/>
-          </a:xfrm>
-          <a:prstGeom prst="rect">
-            <a:avLst/>
-          </a:prstGeom>
-          <a:noFill/>
-        </p:spPr>
-        <p:style>
-          <a:lnRef idx="2">
-            <a:schemeClr val="accent1">
-              <a:shade val="50000"/>
-            </a:schemeClr>
-          </a:lnRef>
-          <a:fillRef idx="1">
-            <a:schemeClr val="accent1"/>
-          </a:fillRef>
-          <a:effectRef idx="0">
-            <a:schemeClr val="accent1"/>
-          </a:effectRef>
-          <a:fontRef idx="minor">
-            <a:schemeClr val="lt1"/>
-          </a:fontRef>
-        </p:style>
-        <p:txBody>
-          <a:bodyPr rtlCol="0" anchor="ctr"/>
-          <a:lstStyle/>
-          <a:p>
-            <a:pPr algn="ctr"/>
-            <a:endParaRPr lang="en-US"/>
-          </a:p>
-        </p:txBody>
-      </p:sp>
-      <p:sp>
-        <p:nvSpPr>
-          <p:cNvPr id="9" name="TextBox 8"/>
-          <p:cNvSpPr txBox="1"/>
-          <p:nvPr/>
-        </p:nvSpPr>
-        <p:spPr>
-          <a:xfrm>
-            <a:off x="1584494" y="5015727"/>
-            <a:ext cx="1312154" cy="369332"/>
-          </a:xfrm>
-          <a:prstGeom prst="rect">
-            <a:avLst/>
-          </a:prstGeom>
-          <a:noFill/>
-        </p:spPr>
-        <p:txBody>
-          <a:bodyPr wrap="none" rtlCol="0">
-            <a:spAutoFit/>
-          </a:bodyPr>
-          <a:lstStyle/>
-          <a:p>
-            <a:r>
-              <a:rPr lang="en-US" dirty="0"/>
-              <a:t>Script file is </a:t>
+              <a:t>Matlab</a:t>
+            </a:r>
+            <a:r>
+              <a:rPr lang="en-US" dirty="0"/>
+              <a:t>, Axiom</a:t>
             </a:r>
           </a:p>
         </p:txBody>
@@ -4452,7 +3934,7 @@
     </p:spTree>
     <p:extLst>
       <p:ext uri="{BB962C8B-B14F-4D97-AF65-F5344CB8AC3E}">
-        <p14:creationId xmlns:p14="http://schemas.microsoft.com/office/powerpoint/2010/main" val="973852734"/>
+        <p14:creationId xmlns:p14="http://schemas.microsoft.com/office/powerpoint/2010/main" val="1370651064"/>
       </p:ext>
     </p:extLst>
   </p:cSld>
@@ -4489,14 +3971,19 @@
             <p:ph type="title"/>
           </p:nvPr>
         </p:nvSpPr>
-        <p:spPr/>
+        <p:spPr>
+          <a:xfrm>
+            <a:off x="838200" y="365126"/>
+            <a:ext cx="10515600" cy="863210"/>
+          </a:xfrm>
+        </p:spPr>
         <p:txBody>
           <a:bodyPr/>
           <a:lstStyle/>
           <a:p>
             <a:r>
               <a:rPr lang="en-US" dirty="0"/>
-              <a:t>Much more about containers</a:t>
+              <a:t>Creating a container from other containers</a:t>
             </a:r>
           </a:p>
         </p:txBody>
@@ -4511,59 +3998,536 @@
             <p:ph idx="1"/>
           </p:nvPr>
         </p:nvSpPr>
-        <p:spPr/>
-        <p:txBody>
-          <a:bodyPr/>
-          <a:lstStyle/>
-          <a:p>
-            <a:r>
-              <a:rPr lang="en-US" dirty="0"/>
-              <a:t>You can mount your own directory in the container so data generated in the container can persist.  </a:t>
+        <p:spPr>
+          <a:xfrm>
+            <a:off x="684636" y="1472283"/>
+            <a:ext cx="5628482" cy="3218713"/>
+          </a:xfrm>
+        </p:spPr>
+        <p:txBody>
+          <a:bodyPr>
+            <a:normAutofit fontScale="77500" lnSpcReduction="20000"/>
+          </a:bodyPr>
+          <a:lstStyle/>
+          <a:p>
+            <a:r>
+              <a:rPr lang="en-US" dirty="0"/>
+              <a:t>A directory with</a:t>
             </a:r>
           </a:p>
           <a:p>
             <a:pPr lvl="1"/>
             <a:r>
               <a:rPr lang="en-US" dirty="0"/>
-              <a:t>Docker run –v </a:t>
+              <a:t>A “</a:t>
             </a:r>
             <a:r>
               <a:rPr lang="en-US" dirty="0" err="1"/>
-              <a:t>your_director:container_director</a:t>
-            </a:r>
-            <a:r>
-              <a:rPr lang="en-US" dirty="0"/>
-              <a:t>   -it –p …..</a:t>
+              <a:t>Dockerfile</a:t>
+            </a:r>
+            <a:r>
+              <a:rPr lang="en-US" dirty="0"/>
+              <a:t>”</a:t>
             </a:r>
           </a:p>
           <a:p>
             <a:pPr lvl="1"/>
             <a:r>
               <a:rPr lang="en-US" dirty="0"/>
-              <a:t>Containers can share mounted directories</a:t>
-            </a:r>
-          </a:p>
-          <a:p>
-            <a:r>
-              <a:rPr lang="en-US" dirty="0"/>
-              <a:t>Docker compose – allows for container composition</a:t>
-            </a:r>
-          </a:p>
-          <a:p>
-            <a:r>
-              <a:rPr lang="en-US" dirty="0"/>
-              <a:t>Singularity – a container system for supercomputer applications.</a:t>
-            </a:r>
-          </a:p>
-          <a:p>
+              <a:t>Things you want in the container</a:t>
+            </a:r>
+          </a:p>
+          <a:p>
+            <a:pPr lvl="2"/>
+            <a:r>
+              <a:rPr lang="en-US" dirty="0"/>
+              <a:t>A script</a:t>
+            </a:r>
+          </a:p>
+          <a:p>
+            <a:pPr lvl="2"/>
+            <a:r>
+              <a:rPr lang="en-US" dirty="0"/>
+              <a:t>A directory of data file: </a:t>
+            </a:r>
+            <a:r>
+              <a:rPr lang="en-US" dirty="0" err="1"/>
+              <a:t>datadir</a:t>
+            </a:r>
             <a:endParaRPr lang="en-US" dirty="0"/>
+          </a:p>
+          <a:p>
+            <a:pPr lvl="2"/>
+            <a:r>
+              <a:rPr lang="en-US" dirty="0"/>
+              <a:t>A directory  of the notebook examples</a:t>
+            </a:r>
+          </a:p>
+          <a:p>
+            <a:pPr lvl="2"/>
+            <a:r>
+              <a:rPr lang="en-US" dirty="0"/>
+              <a:t>An </a:t>
+            </a:r>
+            <a:r>
+              <a:rPr lang="en-US" dirty="0" err="1"/>
+              <a:t>openssl</a:t>
+            </a:r>
+            <a:r>
+              <a:rPr lang="en-US" dirty="0"/>
+              <a:t> certificate and key file</a:t>
+            </a:r>
+          </a:p>
+          <a:p>
+            <a:r>
+              <a:rPr lang="en-US" dirty="0"/>
+              <a:t>A secure hash of a password “tutorial” as a ‘sha1:….” string</a:t>
+            </a:r>
+          </a:p>
+          <a:p>
+            <a:r>
+              <a:rPr lang="en-US" dirty="0"/>
+              <a:t>To build the container I ran</a:t>
+            </a:r>
+          </a:p>
+          <a:p>
+            <a:pPr marL="0" indent="0">
+              <a:buNone/>
+            </a:pPr>
+            <a:r>
+              <a:rPr lang="en-US" dirty="0"/>
+              <a:t>       </a:t>
+            </a:r>
+            <a:r>
+              <a:rPr lang="en-US" sz="2000" dirty="0"/>
+              <a:t>docker build –t=“dbgannon/tutorial” .</a:t>
+            </a:r>
+            <a:endParaRPr lang="en-US" dirty="0"/>
+          </a:p>
+        </p:txBody>
+      </p:sp>
+      <p:sp>
+        <p:nvSpPr>
+          <p:cNvPr id="4" name="TextBox 3"/>
+          <p:cNvSpPr txBox="1"/>
+          <p:nvPr/>
+        </p:nvSpPr>
+        <p:spPr>
+          <a:xfrm>
+            <a:off x="6854510" y="1808716"/>
+            <a:ext cx="4212692" cy="3693319"/>
+          </a:xfrm>
+          <a:prstGeom prst="rect">
+            <a:avLst/>
+          </a:prstGeom>
+          <a:noFill/>
+        </p:spPr>
+        <p:txBody>
+          <a:bodyPr wrap="none" rtlCol="0">
+            <a:spAutoFit/>
+          </a:bodyPr>
+          <a:lstStyle/>
+          <a:p>
+            <a:r>
+              <a:rPr lang="en-US" dirty="0"/>
+              <a:t># Version: 0.1.0</a:t>
+            </a:r>
+          </a:p>
+          <a:p>
+            <a:r>
+              <a:rPr lang="en-US" dirty="0"/>
+              <a:t>FROM </a:t>
+            </a:r>
+            <a:r>
+              <a:rPr lang="en-US" dirty="0" err="1"/>
+              <a:t>jupyter</a:t>
+            </a:r>
+            <a:r>
+              <a:rPr lang="en-US" dirty="0"/>
+              <a:t>/all-spark-notebook </a:t>
+            </a:r>
+          </a:p>
+          <a:p>
+            <a:r>
+              <a:rPr lang="en-US" dirty="0"/>
+              <a:t>MAINTAINER your name "dennis gannon"</a:t>
+            </a:r>
+          </a:p>
+          <a:p>
+            <a:r>
+              <a:rPr lang="en-US" dirty="0"/>
+              <a:t>RUN pip install azure-storage ==0.32.0</a:t>
+            </a:r>
+          </a:p>
+          <a:p>
+            <a:r>
+              <a:rPr lang="en-US" dirty="0"/>
+              <a:t>RUN pip install boto3</a:t>
+            </a:r>
+          </a:p>
+          <a:p>
+            <a:r>
+              <a:rPr lang="en-US" dirty="0"/>
+              <a:t>RUN </a:t>
+            </a:r>
+            <a:r>
+              <a:rPr lang="en-US" dirty="0" err="1"/>
+              <a:t>easy_install</a:t>
+            </a:r>
+            <a:r>
+              <a:rPr lang="en-US" dirty="0"/>
+              <a:t> pika</a:t>
+            </a:r>
+          </a:p>
+          <a:p>
+            <a:r>
+              <a:rPr lang="en-US" dirty="0"/>
+              <a:t>RUN </a:t>
+            </a:r>
+            <a:r>
+              <a:rPr lang="en-US" dirty="0" err="1"/>
+              <a:t>easy_install</a:t>
+            </a:r>
+            <a:r>
+              <a:rPr lang="en-US" dirty="0"/>
+              <a:t> bottle</a:t>
+            </a:r>
+          </a:p>
+          <a:p>
+            <a:r>
+              <a:rPr lang="en-US" dirty="0"/>
+              <a:t>COPY book-notebooks /</a:t>
+            </a:r>
+            <a:r>
+              <a:rPr lang="en-US" dirty="0" err="1"/>
+              <a:t>tutorial_notebooks</a:t>
+            </a:r>
+            <a:endParaRPr lang="en-US" dirty="0"/>
+          </a:p>
+          <a:p>
+            <a:r>
+              <a:rPr lang="en-US" dirty="0"/>
+              <a:t>COPY </a:t>
+            </a:r>
+            <a:r>
+              <a:rPr lang="en-US" dirty="0" err="1"/>
+              <a:t>datadir</a:t>
+            </a:r>
+            <a:r>
+              <a:rPr lang="en-US" dirty="0"/>
+              <a:t> /</a:t>
+            </a:r>
+            <a:r>
+              <a:rPr lang="en-US" dirty="0" err="1"/>
+              <a:t>datadir</a:t>
+            </a:r>
+            <a:endParaRPr lang="en-US" dirty="0"/>
+          </a:p>
+          <a:p>
+            <a:r>
+              <a:rPr lang="en-US" dirty="0"/>
+              <a:t>COPY script /</a:t>
+            </a:r>
+          </a:p>
+          <a:p>
+            <a:r>
+              <a:rPr lang="en-US" dirty="0"/>
+              <a:t>COPY </a:t>
+            </a:r>
+            <a:r>
+              <a:rPr lang="en-US" dirty="0" err="1"/>
+              <a:t>mycert.pem</a:t>
+            </a:r>
+            <a:r>
+              <a:rPr lang="en-US" dirty="0"/>
+              <a:t> /</a:t>
+            </a:r>
+          </a:p>
+          <a:p>
+            <a:r>
+              <a:rPr lang="en-US" dirty="0"/>
+              <a:t>COPY </a:t>
+            </a:r>
+            <a:r>
+              <a:rPr lang="en-US" dirty="0" err="1"/>
+              <a:t>mycert.key</a:t>
+            </a:r>
+            <a:r>
+              <a:rPr lang="en-US" dirty="0"/>
+              <a:t> /</a:t>
+            </a:r>
+          </a:p>
+          <a:p>
+            <a:r>
+              <a:rPr lang="en-US" dirty="0"/>
+              <a:t>CMD ["bash", "/script"]</a:t>
+            </a:r>
+          </a:p>
+        </p:txBody>
+      </p:sp>
+      <p:sp>
+        <p:nvSpPr>
+          <p:cNvPr id="5" name="TextBox 4"/>
+          <p:cNvSpPr txBox="1"/>
+          <p:nvPr/>
+        </p:nvSpPr>
+        <p:spPr>
+          <a:xfrm>
+            <a:off x="6854510" y="1163537"/>
+            <a:ext cx="2932021" cy="461665"/>
+          </a:xfrm>
+          <a:prstGeom prst="rect">
+            <a:avLst/>
+          </a:prstGeom>
+          <a:noFill/>
+        </p:spPr>
+        <p:txBody>
+          <a:bodyPr wrap="none" rtlCol="0">
+            <a:spAutoFit/>
+          </a:bodyPr>
+          <a:lstStyle/>
+          <a:p>
+            <a:r>
+              <a:rPr lang="en-US" sz="2400" dirty="0"/>
+              <a:t>Docker file for tutorial</a:t>
+            </a:r>
+          </a:p>
+        </p:txBody>
+      </p:sp>
+      <p:sp>
+        <p:nvSpPr>
+          <p:cNvPr id="6" name="TextBox 5"/>
+          <p:cNvSpPr txBox="1"/>
+          <p:nvPr/>
+        </p:nvSpPr>
+        <p:spPr>
+          <a:xfrm>
+            <a:off x="404849" y="5444519"/>
+            <a:ext cx="9353138" cy="1200329"/>
+          </a:xfrm>
+          <a:prstGeom prst="rect">
+            <a:avLst/>
+          </a:prstGeom>
+          <a:noFill/>
+        </p:spPr>
+        <p:txBody>
+          <a:bodyPr wrap="none" rtlCol="0">
+            <a:spAutoFit/>
+          </a:bodyPr>
+          <a:lstStyle/>
+          <a:p>
+            <a:r>
+              <a:rPr lang="en-US" dirty="0" err="1"/>
+              <a:t>mkdir</a:t>
+            </a:r>
+            <a:r>
+              <a:rPr lang="en-US" dirty="0"/>
+              <a:t> /home/</a:t>
+            </a:r>
+            <a:r>
+              <a:rPr lang="en-US" dirty="0" err="1"/>
+              <a:t>jovyan</a:t>
+            </a:r>
+            <a:r>
+              <a:rPr lang="en-US" dirty="0"/>
+              <a:t>/work/notebooks</a:t>
+            </a:r>
+          </a:p>
+          <a:p>
+            <a:r>
+              <a:rPr lang="en-US" dirty="0" err="1"/>
+              <a:t>cp</a:t>
+            </a:r>
+            <a:r>
+              <a:rPr lang="en-US" dirty="0"/>
+              <a:t> /</a:t>
+            </a:r>
+            <a:r>
+              <a:rPr lang="en-US" dirty="0" err="1"/>
+              <a:t>tutorial_notebooks</a:t>
+            </a:r>
+            <a:r>
+              <a:rPr lang="en-US" dirty="0"/>
+              <a:t>/* /home/</a:t>
+            </a:r>
+            <a:r>
+              <a:rPr lang="en-US" dirty="0" err="1"/>
+              <a:t>jovyan</a:t>
+            </a:r>
+            <a:r>
+              <a:rPr lang="en-US" dirty="0"/>
+              <a:t>/work/notebooks</a:t>
+            </a:r>
+          </a:p>
+          <a:p>
+            <a:r>
+              <a:rPr lang="en-US" dirty="0"/>
+              <a:t>start-notebook.sh --</a:t>
+            </a:r>
+            <a:r>
+              <a:rPr lang="en-US" dirty="0" err="1"/>
+              <a:t>certfile</a:t>
+            </a:r>
+            <a:r>
+              <a:rPr lang="en-US" dirty="0"/>
+              <a:t>=/</a:t>
+            </a:r>
+            <a:r>
+              <a:rPr lang="en-US" dirty="0" err="1"/>
+              <a:t>mycert.pem</a:t>
+            </a:r>
+            <a:r>
+              <a:rPr lang="en-US" dirty="0"/>
+              <a:t> --</a:t>
+            </a:r>
+            <a:r>
+              <a:rPr lang="en-US" dirty="0" err="1"/>
+              <a:t>keyfile</a:t>
+            </a:r>
+            <a:r>
+              <a:rPr lang="en-US" dirty="0"/>
+              <a:t>=/</a:t>
+            </a:r>
+            <a:r>
+              <a:rPr lang="en-US" dirty="0" err="1"/>
+              <a:t>mycert.key</a:t>
+            </a:r>
+            <a:r>
+              <a:rPr lang="en-US" dirty="0"/>
+              <a:t> \</a:t>
+            </a:r>
+          </a:p>
+          <a:p>
+            <a:r>
+              <a:rPr lang="en-US" dirty="0"/>
+              <a:t>--</a:t>
+            </a:r>
+            <a:r>
+              <a:rPr lang="en-US" dirty="0" err="1"/>
+              <a:t>NotebookApp.password</a:t>
+            </a:r>
+            <a:r>
+              <a:rPr lang="en-US" dirty="0"/>
+              <a:t>='sha1:c02ed938ef17:0934044bb76008a364781d85db149a65fe9bb480'</a:t>
+            </a:r>
+          </a:p>
+        </p:txBody>
+      </p:sp>
+      <p:sp>
+        <p:nvSpPr>
+          <p:cNvPr id="7" name="Rectangle 6"/>
+          <p:cNvSpPr/>
+          <p:nvPr/>
+        </p:nvSpPr>
+        <p:spPr>
+          <a:xfrm>
+            <a:off x="404849" y="5491633"/>
+            <a:ext cx="10449288" cy="1272135"/>
+          </a:xfrm>
+          <a:prstGeom prst="rect">
+            <a:avLst/>
+          </a:prstGeom>
+          <a:noFill/>
+        </p:spPr>
+        <p:style>
+          <a:lnRef idx="2">
+            <a:schemeClr val="accent1">
+              <a:shade val="50000"/>
+            </a:schemeClr>
+          </a:lnRef>
+          <a:fillRef idx="1">
+            <a:schemeClr val="accent1"/>
+          </a:fillRef>
+          <a:effectRef idx="0">
+            <a:schemeClr val="accent1"/>
+          </a:effectRef>
+          <a:fontRef idx="minor">
+            <a:schemeClr val="lt1"/>
+          </a:fontRef>
+        </p:style>
+        <p:txBody>
+          <a:bodyPr rtlCol="0" anchor="ctr"/>
+          <a:lstStyle/>
+          <a:p>
+            <a:pPr algn="ctr"/>
+            <a:endParaRPr lang="en-US"/>
+          </a:p>
+        </p:txBody>
+      </p:sp>
+      <p:sp>
+        <p:nvSpPr>
+          <p:cNvPr id="8" name="Rectangle 7"/>
+          <p:cNvSpPr/>
+          <p:nvPr/>
+        </p:nvSpPr>
+        <p:spPr>
+          <a:xfrm>
+            <a:off x="6760448" y="1717093"/>
+            <a:ext cx="4306754" cy="3727425"/>
+          </a:xfrm>
+          <a:prstGeom prst="rect">
+            <a:avLst/>
+          </a:prstGeom>
+          <a:noFill/>
+        </p:spPr>
+        <p:style>
+          <a:lnRef idx="2">
+            <a:schemeClr val="accent1">
+              <a:shade val="50000"/>
+            </a:schemeClr>
+          </a:lnRef>
+          <a:fillRef idx="1">
+            <a:schemeClr val="accent1"/>
+          </a:fillRef>
+          <a:effectRef idx="0">
+            <a:schemeClr val="accent1"/>
+          </a:effectRef>
+          <a:fontRef idx="minor">
+            <a:schemeClr val="lt1"/>
+          </a:fontRef>
+        </p:style>
+        <p:txBody>
+          <a:bodyPr rtlCol="0" anchor="ctr"/>
+          <a:lstStyle/>
+          <a:p>
+            <a:pPr algn="ctr"/>
+            <a:endParaRPr lang="en-US"/>
+          </a:p>
+        </p:txBody>
+      </p:sp>
+      <p:sp>
+        <p:nvSpPr>
+          <p:cNvPr id="9" name="TextBox 8"/>
+          <p:cNvSpPr txBox="1"/>
+          <p:nvPr/>
+        </p:nvSpPr>
+        <p:spPr>
+          <a:xfrm>
+            <a:off x="1584494" y="5015727"/>
+            <a:ext cx="1312154" cy="369332"/>
+          </a:xfrm>
+          <a:prstGeom prst="rect">
+            <a:avLst/>
+          </a:prstGeom>
+          <a:noFill/>
+        </p:spPr>
+        <p:txBody>
+          <a:bodyPr wrap="none" rtlCol="0">
+            <a:spAutoFit/>
+          </a:bodyPr>
+          <a:lstStyle/>
+          <a:p>
+            <a:r>
+              <a:rPr lang="en-US" dirty="0"/>
+              <a:t>Script file is </a:t>
+            </a:r>
           </a:p>
         </p:txBody>
       </p:sp>
     </p:spTree>
     <p:extLst>
       <p:ext uri="{BB962C8B-B14F-4D97-AF65-F5344CB8AC3E}">
-        <p14:creationId xmlns:p14="http://schemas.microsoft.com/office/powerpoint/2010/main" val="510787844"/>
+        <p14:creationId xmlns:p14="http://schemas.microsoft.com/office/powerpoint/2010/main" val="973852734"/>
       </p:ext>
     </p:extLst>
   </p:cSld>
@@ -4607,6 +4571,117 @@
           <a:p>
             <a:r>
               <a:rPr lang="en-US" dirty="0"/>
+              <a:t>Much more about containers</a:t>
+            </a:r>
+          </a:p>
+        </p:txBody>
+      </p:sp>
+      <p:sp>
+        <p:nvSpPr>
+          <p:cNvPr id="3" name="Content Placeholder 2"/>
+          <p:cNvSpPr>
+            <a:spLocks noGrp="1"/>
+          </p:cNvSpPr>
+          <p:nvPr>
+            <p:ph idx="1"/>
+          </p:nvPr>
+        </p:nvSpPr>
+        <p:spPr/>
+        <p:txBody>
+          <a:bodyPr/>
+          <a:lstStyle/>
+          <a:p>
+            <a:r>
+              <a:rPr lang="en-US" dirty="0"/>
+              <a:t>You can mount your own directory in the container so data generated in the container can persist.  </a:t>
+            </a:r>
+          </a:p>
+          <a:p>
+            <a:pPr lvl="1"/>
+            <a:r>
+              <a:rPr lang="en-US" dirty="0"/>
+              <a:t>Docker run –v </a:t>
+            </a:r>
+            <a:r>
+              <a:rPr lang="en-US" dirty="0" err="1"/>
+              <a:t>your_director:container_director</a:t>
+            </a:r>
+            <a:r>
+              <a:rPr lang="en-US" dirty="0"/>
+              <a:t>   -it –p …..</a:t>
+            </a:r>
+          </a:p>
+          <a:p>
+            <a:pPr lvl="1"/>
+            <a:r>
+              <a:rPr lang="en-US" dirty="0"/>
+              <a:t>Containers can share mounted directories</a:t>
+            </a:r>
+          </a:p>
+          <a:p>
+            <a:r>
+              <a:rPr lang="en-US" dirty="0"/>
+              <a:t>Docker compose – allows for container composition</a:t>
+            </a:r>
+          </a:p>
+          <a:p>
+            <a:r>
+              <a:rPr lang="en-US" dirty="0"/>
+              <a:t>Singularity – a container system for supercomputer applications.</a:t>
+            </a:r>
+          </a:p>
+          <a:p>
+            <a:endParaRPr lang="en-US" dirty="0"/>
+          </a:p>
+        </p:txBody>
+      </p:sp>
+    </p:spTree>
+    <p:extLst>
+      <p:ext uri="{BB962C8B-B14F-4D97-AF65-F5344CB8AC3E}">
+        <p14:creationId xmlns:p14="http://schemas.microsoft.com/office/powerpoint/2010/main" val="510787844"/>
+      </p:ext>
+    </p:extLst>
+  </p:cSld>
+  <p:clrMapOvr>
+    <a:masterClrMapping/>
+  </p:clrMapOvr>
+</p:sld>
+</file>
+
+<file path=ppt/slides/slide17.xml><?xml version="1.0" encoding="utf-8"?>
+<p:sld xmlns:a="http://schemas.openxmlformats.org/drawingml/2006/main" xmlns:r="http://schemas.openxmlformats.org/officeDocument/2006/relationships" xmlns:p="http://schemas.openxmlformats.org/presentationml/2006/main">
+  <p:cSld>
+    <p:spTree>
+      <p:nvGrpSpPr>
+        <p:cNvPr id="1" name=""/>
+        <p:cNvGrpSpPr/>
+        <p:nvPr/>
+      </p:nvGrpSpPr>
+      <p:grpSpPr>
+        <a:xfrm>
+          <a:off x="0" y="0"/>
+          <a:ext cx="0" cy="0"/>
+          <a:chOff x="0" y="0"/>
+          <a:chExt cx="0" cy="0"/>
+        </a:xfrm>
+      </p:grpSpPr>
+      <p:sp>
+        <p:nvSpPr>
+          <p:cNvPr id="2" name="Title 1"/>
+          <p:cNvSpPr>
+            <a:spLocks noGrp="1"/>
+          </p:cNvSpPr>
+          <p:nvPr>
+            <p:ph type="title"/>
+          </p:nvPr>
+        </p:nvSpPr>
+        <p:spPr/>
+        <p:txBody>
+          <a:bodyPr/>
+          <a:lstStyle/>
+          <a:p>
+            <a:r>
+              <a:rPr lang="en-US" dirty="0"/>
               <a:t>Section Summary</a:t>
             </a:r>
           </a:p>
@@ -4707,6 +4782,133 @@
 </file>
 
 <file path=ppt/slides/slide2.xml><?xml version="1.0" encoding="utf-8"?>
+<p:sld xmlns:a="http://schemas.openxmlformats.org/drawingml/2006/main" xmlns:r="http://schemas.openxmlformats.org/officeDocument/2006/relationships" xmlns:p="http://schemas.openxmlformats.org/presentationml/2006/main">
+  <p:cSld>
+    <p:spTree>
+      <p:nvGrpSpPr>
+        <p:cNvPr id="1" name=""/>
+        <p:cNvGrpSpPr/>
+        <p:nvPr/>
+      </p:nvGrpSpPr>
+      <p:grpSpPr>
+        <a:xfrm>
+          <a:off x="0" y="0"/>
+          <a:ext cx="0" cy="0"/>
+          <a:chOff x="0" y="0"/>
+          <a:chExt cx="0" cy="0"/>
+        </a:xfrm>
+      </p:grpSpPr>
+      <p:sp>
+        <p:nvSpPr>
+          <p:cNvPr id="2" name="Title 1"/>
+          <p:cNvSpPr>
+            <a:spLocks noGrp="1"/>
+          </p:cNvSpPr>
+          <p:nvPr>
+            <p:ph type="title"/>
+          </p:nvPr>
+        </p:nvSpPr>
+        <p:spPr/>
+        <p:txBody>
+          <a:bodyPr/>
+          <a:lstStyle/>
+          <a:p>
+            <a:r>
+              <a:rPr lang="en-US" dirty="0"/>
+              <a:t>What is a Virtual Machine?</a:t>
+            </a:r>
+          </a:p>
+        </p:txBody>
+      </p:sp>
+      <p:sp>
+        <p:nvSpPr>
+          <p:cNvPr id="3" name="Content Placeholder 2"/>
+          <p:cNvSpPr>
+            <a:spLocks noGrp="1"/>
+          </p:cNvSpPr>
+          <p:nvPr>
+            <p:ph idx="1"/>
+          </p:nvPr>
+        </p:nvSpPr>
+        <p:spPr>
+          <a:xfrm>
+            <a:off x="754437" y="1690687"/>
+            <a:ext cx="10515600" cy="4828775"/>
+          </a:xfrm>
+        </p:spPr>
+        <p:txBody>
+          <a:bodyPr>
+            <a:normAutofit lnSpcReduction="10000"/>
+          </a:bodyPr>
+          <a:lstStyle/>
+          <a:p>
+            <a:r>
+              <a:rPr lang="en-US" dirty="0"/>
+              <a:t>The foundation of Infrastructure as a Service (IaaS) Clouds</a:t>
+            </a:r>
+          </a:p>
+          <a:p>
+            <a:r>
+              <a:rPr lang="en-US" dirty="0"/>
+              <a:t>Operating Systems manage multiple user processes by trapping “privileged” instructions they attempt to execute.</a:t>
+            </a:r>
+          </a:p>
+          <a:p>
+            <a:pPr lvl="1"/>
+            <a:r>
+              <a:rPr lang="en-US" dirty="0"/>
+              <a:t>If safe to proceed the OS hands the process a “virtual” safe version of the instruction to execute.  </a:t>
+            </a:r>
+          </a:p>
+          <a:p>
+            <a:r>
+              <a:rPr lang="en-US" dirty="0"/>
+              <a:t>In the 1970 IBM and others figured out how to virtualize the entire computer.  </a:t>
+            </a:r>
+          </a:p>
+          <a:p>
+            <a:pPr lvl="1"/>
+            <a:r>
+              <a:rPr lang="en-US" dirty="0"/>
+              <a:t>A Hypervisor (or virtual machine monitor) is a manager of this virtualization that allows multiple distinct OSs to use the hardware simultaneously.</a:t>
+            </a:r>
+          </a:p>
+          <a:p>
+            <a:r>
+              <a:rPr lang="en-US" dirty="0"/>
+              <a:t>This is the key to managing thousands of computer “VMs” for customers</a:t>
+            </a:r>
+          </a:p>
+          <a:p>
+            <a:pPr lvl="1"/>
+            <a:r>
+              <a:rPr lang="en-US" dirty="0"/>
+              <a:t>A VM is a object that can be managed by a “fabric controller” and virtualized networks.  </a:t>
+            </a:r>
+          </a:p>
+          <a:p>
+            <a:pPr lvl="1"/>
+            <a:endParaRPr lang="en-US" dirty="0"/>
+          </a:p>
+          <a:p>
+            <a:endParaRPr lang="en-US" dirty="0"/>
+          </a:p>
+        </p:txBody>
+      </p:sp>
+    </p:spTree>
+    <p:extLst>
+      <p:ext uri="{BB962C8B-B14F-4D97-AF65-F5344CB8AC3E}">
+        <p14:creationId xmlns:p14="http://schemas.microsoft.com/office/powerpoint/2010/main" val="3009145458"/>
+      </p:ext>
+    </p:extLst>
+  </p:cSld>
+  <p:clrMapOvr>
+    <a:masterClrMapping/>
+  </p:clrMapOvr>
+</p:sld>
+</file>
+
+<file path=ppt/slides/slide3.xml><?xml version="1.0" encoding="utf-8"?>
 <p:sld xmlns:a="http://schemas.openxmlformats.org/drawingml/2006/main" xmlns:r="http://schemas.openxmlformats.org/officeDocument/2006/relationships" xmlns:p="http://schemas.openxmlformats.org/presentationml/2006/main">
   <p:cSld>
     <p:spTree>
@@ -4982,7 +5184,7 @@
 </p:sld>
 </file>
 
-<file path=ppt/slides/slide3.xml><?xml version="1.0" encoding="utf-8"?>
+<file path=ppt/slides/slide4.xml><?xml version="1.0" encoding="utf-8"?>
 <p:sld xmlns:a="http://schemas.openxmlformats.org/drawingml/2006/main" xmlns:r="http://schemas.openxmlformats.org/officeDocument/2006/relationships" xmlns:p="http://schemas.openxmlformats.org/presentationml/2006/main">
   <p:cSld>
     <p:spTree>
@@ -5285,7 +5487,7 @@
 </p:sld>
 </file>
 
-<file path=ppt/slides/slide4.xml><?xml version="1.0" encoding="utf-8"?>
+<file path=ppt/slides/slide5.xml><?xml version="1.0" encoding="utf-8"?>
 <p:sld xmlns:a="http://schemas.openxmlformats.org/drawingml/2006/main" xmlns:r="http://schemas.openxmlformats.org/officeDocument/2006/relationships" xmlns:p="http://schemas.openxmlformats.org/presentationml/2006/main">
   <p:cSld>
     <p:spTree>
@@ -5665,7 +5867,7 @@
 </p:sld>
 </file>
 
-<file path=ppt/slides/slide5.xml><?xml version="1.0" encoding="utf-8"?>
+<file path=ppt/slides/slide6.xml><?xml version="1.0" encoding="utf-8"?>
 <p:sld xmlns:a="http://schemas.openxmlformats.org/drawingml/2006/main" xmlns:r="http://schemas.openxmlformats.org/officeDocument/2006/relationships" xmlns:p="http://schemas.openxmlformats.org/presentationml/2006/main">
   <p:cSld>
     <p:spTree>
@@ -5812,7 +6014,7 @@
 </p:sld>
 </file>
 
-<file path=ppt/slides/slide6.xml><?xml version="1.0" encoding="utf-8"?>
+<file path=ppt/slides/slide7.xml><?xml version="1.0" encoding="utf-8"?>
 <p:sld xmlns:a="http://schemas.openxmlformats.org/drawingml/2006/main" xmlns:r="http://schemas.openxmlformats.org/officeDocument/2006/relationships" xmlns:p="http://schemas.openxmlformats.org/presentationml/2006/main">
   <p:cSld>
     <p:spTree>
@@ -6152,7 +6354,7 @@
 </p:sld>
 </file>
 
-<file path=ppt/slides/slide7.xml><?xml version="1.0" encoding="utf-8"?>
+<file path=ppt/slides/slide8.xml><?xml version="1.0" encoding="utf-8"?>
 <p:sld xmlns:a="http://schemas.openxmlformats.org/drawingml/2006/main" xmlns:r="http://schemas.openxmlformats.org/officeDocument/2006/relationships" xmlns:p="http://schemas.openxmlformats.org/presentationml/2006/main">
   <p:cSld>
     <p:spTree>
@@ -6541,7 +6743,7 @@
 </p:sld>
 </file>
 
-<file path=ppt/slides/slide8.xml><?xml version="1.0" encoding="utf-8"?>
+<file path=ppt/slides/slide9.xml><?xml version="1.0" encoding="utf-8"?>
 <p:sld xmlns:a="http://schemas.openxmlformats.org/drawingml/2006/main" xmlns:r="http://schemas.openxmlformats.org/officeDocument/2006/relationships" xmlns:p="http://schemas.openxmlformats.org/presentationml/2006/main">
   <p:cSld>
     <p:spTree>
@@ -6951,80 +7153,6 @@
     <p:extLst>
       <p:ext uri="{BB962C8B-B14F-4D97-AF65-F5344CB8AC3E}">
         <p14:creationId xmlns:p14="http://schemas.microsoft.com/office/powerpoint/2010/main" val="3691487264"/>
-      </p:ext>
-    </p:extLst>
-  </p:cSld>
-  <p:clrMapOvr>
-    <a:masterClrMapping/>
-  </p:clrMapOvr>
-</p:sld>
-</file>
-
-<file path=ppt/slides/slide9.xml><?xml version="1.0" encoding="utf-8"?>
-<p:sld xmlns:a="http://schemas.openxmlformats.org/drawingml/2006/main" xmlns:r="http://schemas.openxmlformats.org/officeDocument/2006/relationships" xmlns:p="http://schemas.openxmlformats.org/presentationml/2006/main">
-  <p:cSld>
-    <p:spTree>
-      <p:nvGrpSpPr>
-        <p:cNvPr id="1" name=""/>
-        <p:cNvGrpSpPr/>
-        <p:nvPr/>
-      </p:nvGrpSpPr>
-      <p:grpSpPr>
-        <a:xfrm>
-          <a:off x="0" y="0"/>
-          <a:ext cx="0" cy="0"/>
-          <a:chOff x="0" y="0"/>
-          <a:chExt cx="0" cy="0"/>
-        </a:xfrm>
-      </p:grpSpPr>
-      <p:sp>
-        <p:nvSpPr>
-          <p:cNvPr id="2" name="Title 1"/>
-          <p:cNvSpPr>
-            <a:spLocks noGrp="1"/>
-          </p:cNvSpPr>
-          <p:nvPr>
-            <p:ph type="ctrTitle"/>
-          </p:nvPr>
-        </p:nvSpPr>
-        <p:spPr/>
-        <p:txBody>
-          <a:bodyPr/>
-          <a:lstStyle/>
-          <a:p>
-            <a:r>
-              <a:rPr lang="en-US" dirty="0"/>
-              <a:t>Containers</a:t>
-            </a:r>
-          </a:p>
-        </p:txBody>
-      </p:sp>
-      <p:sp>
-        <p:nvSpPr>
-          <p:cNvPr id="3" name="Subtitle 2"/>
-          <p:cNvSpPr>
-            <a:spLocks noGrp="1"/>
-          </p:cNvSpPr>
-          <p:nvPr>
-            <p:ph type="subTitle" idx="1"/>
-          </p:nvPr>
-        </p:nvSpPr>
-        <p:spPr/>
-        <p:txBody>
-          <a:bodyPr/>
-          <a:lstStyle/>
-          <a:p>
-            <a:r>
-              <a:rPr lang="en-US" dirty="0"/>
-              <a:t>An alternative to virtual machines for encapsulating software</a:t>
-            </a:r>
-          </a:p>
-        </p:txBody>
-      </p:sp>
-    </p:spTree>
-    <p:extLst>
-      <p:ext uri="{BB962C8B-B14F-4D97-AF65-F5344CB8AC3E}">
-        <p14:creationId xmlns:p14="http://schemas.microsoft.com/office/powerpoint/2010/main" val="563079645"/>
       </p:ext>
     </p:extLst>
   </p:cSld>
